--- a/documents/Apresentação Jogo.pptx
+++ b/documents/Apresentação Jogo.pptx
@@ -10,6 +10,17 @@
     <p:sldId id="258" r:id="rId4"/>
     <p:sldId id="259" r:id="rId5"/>
     <p:sldId id="260" r:id="rId6"/>
+    <p:sldId id="261" r:id="rId7"/>
+    <p:sldId id="262" r:id="rId8"/>
+    <p:sldId id="263" r:id="rId9"/>
+    <p:sldId id="264" r:id="rId10"/>
+    <p:sldId id="265" r:id="rId11"/>
+    <p:sldId id="266" r:id="rId12"/>
+    <p:sldId id="267" r:id="rId13"/>
+    <p:sldId id="268" r:id="rId14"/>
+    <p:sldId id="269" r:id="rId15"/>
+    <p:sldId id="270" r:id="rId16"/>
+    <p:sldId id="271" r:id="rId17"/>
   </p:sldIdLst>
   <p:sldSz cx="12192000" cy="6858000"/>
   <p:notesSz cx="6858000" cy="9144000"/>
@@ -108,24 +119,656 @@
       </a:defRPr>
     </a:lvl9pPr>
   </p:defaultTextStyle>
+  <p:extLst>
+    <p:ext uri="{EFAFB233-063F-42B5-8137-9DF3F51BA10A}">
+      <p15:sldGuideLst xmlns:p15="http://schemas.microsoft.com/office/powerpoint/2012/main"/>
+    </p:ext>
+  </p:extLst>
 </p:presentation>
+</file>
+
+<file path=ppt/revisionInfo.xml><?xml version="1.0" encoding="utf-8"?>
+<p1510:revInfo xmlns:a="http://schemas.openxmlformats.org/drawingml/2006/main" xmlns:r="http://schemas.openxmlformats.org/officeDocument/2006/relationships" xmlns:p1510="http://schemas.microsoft.com/office/powerpoint/2015/10/main">
+  <p1510:revLst>
+    <p1510:client id="{DFE6C409-C545-4A1E-B846-3B31E2C622E6}" v="29" dt="2023-06-12T10:36:32.783"/>
+  </p1510:revLst>
+</p1510:revInfo>
 </file>
 
 <file path=ppt/changesInfos/changesInfo1.xml><?xml version="1.0" encoding="utf-8"?>
 <pc:chgInfo xmlns:a="http://schemas.openxmlformats.org/drawingml/2006/main" xmlns:r="http://schemas.openxmlformats.org/officeDocument/2006/relationships" xmlns:ac="http://schemas.microsoft.com/office/drawing/2013/main/command" xmlns:pc="http://schemas.microsoft.com/office/powerpoint/2013/main/command">
   <pc:docChgLst>
     <pc:chgData name="Jean Carlos Ramos" userId="45922d7239631b37" providerId="LiveId" clId="{DFE6C409-C545-4A1E-B846-3B31E2C622E6}"/>
-    <pc:docChg chg="addSld">
-      <pc:chgData name="Jean Carlos Ramos" userId="45922d7239631b37" providerId="LiveId" clId="{DFE6C409-C545-4A1E-B846-3B31E2C622E6}" dt="2023-06-12T08:40:58.176" v="0" actId="680"/>
+    <pc:docChg chg="undo custSel addSld delSld modSld">
+      <pc:chgData name="Jean Carlos Ramos" userId="45922d7239631b37" providerId="LiveId" clId="{DFE6C409-C545-4A1E-B846-3B31E2C622E6}" dt="2023-06-12T10:39:16.291" v="418" actId="1076"/>
       <pc:docMkLst>
         <pc:docMk/>
       </pc:docMkLst>
-      <pc:sldChg chg="new">
-        <pc:chgData name="Jean Carlos Ramos" userId="45922d7239631b37" providerId="LiveId" clId="{DFE6C409-C545-4A1E-B846-3B31E2C622E6}" dt="2023-06-12T08:40:58.176" v="0" actId="680"/>
+      <pc:sldChg chg="addSp delSp modSp new mod">
+        <pc:chgData name="Jean Carlos Ramos" userId="45922d7239631b37" providerId="LiveId" clId="{DFE6C409-C545-4A1E-B846-3B31E2C622E6}" dt="2023-06-12T10:08:53.689" v="33" actId="1076"/>
         <pc:sldMkLst>
           <pc:docMk/>
           <pc:sldMk cId="2013371916" sldId="260"/>
         </pc:sldMkLst>
+        <pc:spChg chg="del">
+          <ac:chgData name="Jean Carlos Ramos" userId="45922d7239631b37" providerId="LiveId" clId="{DFE6C409-C545-4A1E-B846-3B31E2C622E6}" dt="2023-06-12T10:05:23.528" v="4" actId="478"/>
+          <ac:spMkLst>
+            <pc:docMk/>
+            <pc:sldMk cId="2013371916" sldId="260"/>
+            <ac:spMk id="2" creationId="{465AF1A9-A163-7F8E-6A04-86A462FDDD4F}"/>
+          </ac:spMkLst>
+        </pc:spChg>
+        <pc:spChg chg="del">
+          <ac:chgData name="Jean Carlos Ramos" userId="45922d7239631b37" providerId="LiveId" clId="{DFE6C409-C545-4A1E-B846-3B31E2C622E6}" dt="2023-06-12T10:05:16.573" v="1"/>
+          <ac:spMkLst>
+            <pc:docMk/>
+            <pc:sldMk cId="2013371916" sldId="260"/>
+            <ac:spMk id="3" creationId="{2F1DA8BC-E01B-FE32-8075-8BD7341103B4}"/>
+          </ac:spMkLst>
+        </pc:spChg>
+        <pc:picChg chg="add mod">
+          <ac:chgData name="Jean Carlos Ramos" userId="45922d7239631b37" providerId="LiveId" clId="{DFE6C409-C545-4A1E-B846-3B31E2C622E6}" dt="2023-06-12T10:08:52.591" v="32" actId="1076"/>
+          <ac:picMkLst>
+            <pc:docMk/>
+            <pc:sldMk cId="2013371916" sldId="260"/>
+            <ac:picMk id="5" creationId="{685C26B6-A101-4723-7DC6-004C662A22A1}"/>
+          </ac:picMkLst>
+        </pc:picChg>
+        <pc:picChg chg="add mod">
+          <ac:chgData name="Jean Carlos Ramos" userId="45922d7239631b37" providerId="LiveId" clId="{DFE6C409-C545-4A1E-B846-3B31E2C622E6}" dt="2023-06-12T10:08:53.689" v="33" actId="1076"/>
+          <ac:picMkLst>
+            <pc:docMk/>
+            <pc:sldMk cId="2013371916" sldId="260"/>
+            <ac:picMk id="7" creationId="{A73FB1E3-D8E7-E06A-9A5C-D3D38306C23F}"/>
+          </ac:picMkLst>
+        </pc:picChg>
+      </pc:sldChg>
+      <pc:sldChg chg="addSp delSp modSp new mod">
+        <pc:chgData name="Jean Carlos Ramos" userId="45922d7239631b37" providerId="LiveId" clId="{DFE6C409-C545-4A1E-B846-3B31E2C622E6}" dt="2023-06-12T10:09:53.710" v="42" actId="1076"/>
+        <pc:sldMkLst>
+          <pc:docMk/>
+          <pc:sldMk cId="3884624872" sldId="261"/>
+        </pc:sldMkLst>
+        <pc:spChg chg="del">
+          <ac:chgData name="Jean Carlos Ramos" userId="45922d7239631b37" providerId="LiveId" clId="{DFE6C409-C545-4A1E-B846-3B31E2C622E6}" dt="2023-06-12T10:06:21.196" v="14" actId="478"/>
+          <ac:spMkLst>
+            <pc:docMk/>
+            <pc:sldMk cId="3884624872" sldId="261"/>
+            <ac:spMk id="2" creationId="{CD153A88-14B2-EE5A-536E-A17782EF36BC}"/>
+          </ac:spMkLst>
+        </pc:spChg>
+        <pc:spChg chg="del">
+          <ac:chgData name="Jean Carlos Ramos" userId="45922d7239631b37" providerId="LiveId" clId="{DFE6C409-C545-4A1E-B846-3B31E2C622E6}" dt="2023-06-12T10:06:03.036" v="9"/>
+          <ac:spMkLst>
+            <pc:docMk/>
+            <pc:sldMk cId="3884624872" sldId="261"/>
+            <ac:spMk id="3" creationId="{BB4EEE2A-EE22-94D4-91C5-02EEFB2ED7C5}"/>
+          </ac:spMkLst>
+        </pc:spChg>
+        <pc:spChg chg="add del mod">
+          <ac:chgData name="Jean Carlos Ramos" userId="45922d7239631b37" providerId="LiveId" clId="{DFE6C409-C545-4A1E-B846-3B31E2C622E6}" dt="2023-06-12T10:09:46.414" v="35"/>
+          <ac:spMkLst>
+            <pc:docMk/>
+            <pc:sldMk cId="3884624872" sldId="261"/>
+            <ac:spMk id="7" creationId="{EE10C5A4-D52E-C3CD-E1D1-9824EC342459}"/>
+          </ac:spMkLst>
+        </pc:spChg>
+        <pc:picChg chg="add del mod">
+          <ac:chgData name="Jean Carlos Ramos" userId="45922d7239631b37" providerId="LiveId" clId="{DFE6C409-C545-4A1E-B846-3B31E2C622E6}" dt="2023-06-12T10:09:40.151" v="34" actId="478"/>
+          <ac:picMkLst>
+            <pc:docMk/>
+            <pc:sldMk cId="3884624872" sldId="261"/>
+            <ac:picMk id="5" creationId="{A6C68420-2537-D22C-7409-A7AE04A00B90}"/>
+          </ac:picMkLst>
+        </pc:picChg>
+        <pc:picChg chg="add mod">
+          <ac:chgData name="Jean Carlos Ramos" userId="45922d7239631b37" providerId="LiveId" clId="{DFE6C409-C545-4A1E-B846-3B31E2C622E6}" dt="2023-06-12T10:09:53.710" v="42" actId="1076"/>
+          <ac:picMkLst>
+            <pc:docMk/>
+            <pc:sldMk cId="3884624872" sldId="261"/>
+            <ac:picMk id="9" creationId="{1038A5BF-D212-CBC7-7C54-E0514E50AA98}"/>
+          </ac:picMkLst>
+        </pc:picChg>
+      </pc:sldChg>
+      <pc:sldChg chg="addSp delSp modSp new mod">
+        <pc:chgData name="Jean Carlos Ramos" userId="45922d7239631b37" providerId="LiveId" clId="{DFE6C409-C545-4A1E-B846-3B31E2C622E6}" dt="2023-06-12T10:13:14.221" v="60" actId="1076"/>
+        <pc:sldMkLst>
+          <pc:docMk/>
+          <pc:sldMk cId="1918745731" sldId="262"/>
+        </pc:sldMkLst>
+        <pc:spChg chg="del">
+          <ac:chgData name="Jean Carlos Ramos" userId="45922d7239631b37" providerId="LiveId" clId="{DFE6C409-C545-4A1E-B846-3B31E2C622E6}" dt="2023-06-12T10:10:00.047" v="43" actId="478"/>
+          <ac:spMkLst>
+            <pc:docMk/>
+            <pc:sldMk cId="1918745731" sldId="262"/>
+            <ac:spMk id="2" creationId="{14AD9203-B19B-6842-DAFD-40D90898D44B}"/>
+          </ac:spMkLst>
+        </pc:spChg>
+        <pc:spChg chg="del">
+          <ac:chgData name="Jean Carlos Ramos" userId="45922d7239631b37" providerId="LiveId" clId="{DFE6C409-C545-4A1E-B846-3B31E2C622E6}" dt="2023-06-12T10:10:07.173" v="44"/>
+          <ac:spMkLst>
+            <pc:docMk/>
+            <pc:sldMk cId="1918745731" sldId="262"/>
+            <ac:spMk id="3" creationId="{9DA54CCF-FC9A-84FB-10B7-C1C04B3E6E6F}"/>
+          </ac:spMkLst>
+        </pc:spChg>
+        <pc:spChg chg="add del mod">
+          <ac:chgData name="Jean Carlos Ramos" userId="45922d7239631b37" providerId="LiveId" clId="{DFE6C409-C545-4A1E-B846-3B31E2C622E6}" dt="2023-06-12T10:13:00.675" v="49"/>
+          <ac:spMkLst>
+            <pc:docMk/>
+            <pc:sldMk cId="1918745731" sldId="262"/>
+            <ac:spMk id="7" creationId="{D8063554-FDF5-66D3-F351-B97E7C9AFE08}"/>
+          </ac:spMkLst>
+        </pc:spChg>
+        <pc:picChg chg="add del mod">
+          <ac:chgData name="Jean Carlos Ramos" userId="45922d7239631b37" providerId="LiveId" clId="{DFE6C409-C545-4A1E-B846-3B31E2C622E6}" dt="2023-06-12T10:11:26.323" v="48" actId="478"/>
+          <ac:picMkLst>
+            <pc:docMk/>
+            <pc:sldMk cId="1918745731" sldId="262"/>
+            <ac:picMk id="5" creationId="{5D87B4FE-4948-FB0E-9A80-C7AE7E30133D}"/>
+          </ac:picMkLst>
+        </pc:picChg>
+        <pc:picChg chg="add mod">
+          <ac:chgData name="Jean Carlos Ramos" userId="45922d7239631b37" providerId="LiveId" clId="{DFE6C409-C545-4A1E-B846-3B31E2C622E6}" dt="2023-06-12T10:13:11.475" v="59" actId="1076"/>
+          <ac:picMkLst>
+            <pc:docMk/>
+            <pc:sldMk cId="1918745731" sldId="262"/>
+            <ac:picMk id="9" creationId="{A691E1CC-3832-87AA-A3E4-4B4D3E5F0273}"/>
+          </ac:picMkLst>
+        </pc:picChg>
+        <pc:picChg chg="add mod">
+          <ac:chgData name="Jean Carlos Ramos" userId="45922d7239631b37" providerId="LiveId" clId="{DFE6C409-C545-4A1E-B846-3B31E2C622E6}" dt="2023-06-12T10:13:14.221" v="60" actId="1076"/>
+          <ac:picMkLst>
+            <pc:docMk/>
+            <pc:sldMk cId="1918745731" sldId="262"/>
+            <ac:picMk id="11" creationId="{D6698E3A-F563-381C-24D5-EB16C7108D8D}"/>
+          </ac:picMkLst>
+        </pc:picChg>
+      </pc:sldChg>
+      <pc:sldChg chg="addSp delSp modSp new del mod">
+        <pc:chgData name="Jean Carlos Ramos" userId="45922d7239631b37" providerId="LiveId" clId="{DFE6C409-C545-4A1E-B846-3B31E2C622E6}" dt="2023-06-12T10:08:41.609" v="23" actId="2696"/>
+        <pc:sldMkLst>
+          <pc:docMk/>
+          <pc:sldMk cId="1608202568" sldId="263"/>
+        </pc:sldMkLst>
+        <pc:spChg chg="del">
+          <ac:chgData name="Jean Carlos Ramos" userId="45922d7239631b37" providerId="LiveId" clId="{DFE6C409-C545-4A1E-B846-3B31E2C622E6}" dt="2023-06-12T10:08:22.286" v="20" actId="478"/>
+          <ac:spMkLst>
+            <pc:docMk/>
+            <pc:sldMk cId="1608202568" sldId="263"/>
+            <ac:spMk id="2" creationId="{E64687FD-9589-9A05-9BD6-43A81DD6EE7D}"/>
+          </ac:spMkLst>
+        </pc:spChg>
+        <pc:spChg chg="del">
+          <ac:chgData name="Jean Carlos Ramos" userId="45922d7239631b37" providerId="LiveId" clId="{DFE6C409-C545-4A1E-B846-3B31E2C622E6}" dt="2023-06-12T10:08:10.537" v="17"/>
+          <ac:spMkLst>
+            <pc:docMk/>
+            <pc:sldMk cId="1608202568" sldId="263"/>
+            <ac:spMk id="3" creationId="{2E1539D1-C5AC-C1CD-103A-0D628E99E451}"/>
+          </ac:spMkLst>
+        </pc:spChg>
+        <pc:picChg chg="add mod">
+          <ac:chgData name="Jean Carlos Ramos" userId="45922d7239631b37" providerId="LiveId" clId="{DFE6C409-C545-4A1E-B846-3B31E2C622E6}" dt="2023-06-12T10:08:25.925" v="21" actId="1076"/>
+          <ac:picMkLst>
+            <pc:docMk/>
+            <pc:sldMk cId="1608202568" sldId="263"/>
+            <ac:picMk id="5" creationId="{25E457DC-8165-9090-D611-0B1FEFB2CACE}"/>
+          </ac:picMkLst>
+        </pc:picChg>
+      </pc:sldChg>
+      <pc:sldChg chg="addSp delSp modSp new mod">
+        <pc:chgData name="Jean Carlos Ramos" userId="45922d7239631b37" providerId="LiveId" clId="{DFE6C409-C545-4A1E-B846-3B31E2C622E6}" dt="2023-06-12T10:13:46.989" v="76" actId="1076"/>
+        <pc:sldMkLst>
+          <pc:docMk/>
+          <pc:sldMk cId="1827193571" sldId="263"/>
+        </pc:sldMkLst>
+        <pc:spChg chg="del">
+          <ac:chgData name="Jean Carlos Ramos" userId="45922d7239631b37" providerId="LiveId" clId="{DFE6C409-C545-4A1E-B846-3B31E2C622E6}" dt="2023-06-12T10:13:26.753" v="62" actId="478"/>
+          <ac:spMkLst>
+            <pc:docMk/>
+            <pc:sldMk cId="1827193571" sldId="263"/>
+            <ac:spMk id="2" creationId="{869891BD-35CC-EDD0-1C7D-DA8B5313EB1B}"/>
+          </ac:spMkLst>
+        </pc:spChg>
+        <pc:spChg chg="del">
+          <ac:chgData name="Jean Carlos Ramos" userId="45922d7239631b37" providerId="LiveId" clId="{DFE6C409-C545-4A1E-B846-3B31E2C622E6}" dt="2023-06-12T10:13:31.582" v="63"/>
+          <ac:spMkLst>
+            <pc:docMk/>
+            <pc:sldMk cId="1827193571" sldId="263"/>
+            <ac:spMk id="3" creationId="{C8D3E217-B24F-CF48-42D2-ECAFEF35D1A8}"/>
+          </ac:spMkLst>
+        </pc:spChg>
+        <pc:picChg chg="add mod">
+          <ac:chgData name="Jean Carlos Ramos" userId="45922d7239631b37" providerId="LiveId" clId="{DFE6C409-C545-4A1E-B846-3B31E2C622E6}" dt="2023-06-12T10:13:46.989" v="76" actId="1076"/>
+          <ac:picMkLst>
+            <pc:docMk/>
+            <pc:sldMk cId="1827193571" sldId="263"/>
+            <ac:picMk id="5" creationId="{7BF36274-35E0-EC92-ECDA-78FD20CCAA56}"/>
+          </ac:picMkLst>
+        </pc:picChg>
+        <pc:picChg chg="add mod">
+          <ac:chgData name="Jean Carlos Ramos" userId="45922d7239631b37" providerId="LiveId" clId="{DFE6C409-C545-4A1E-B846-3B31E2C622E6}" dt="2023-06-12T10:13:46.016" v="75" actId="1076"/>
+          <ac:picMkLst>
+            <pc:docMk/>
+            <pc:sldMk cId="1827193571" sldId="263"/>
+            <ac:picMk id="7" creationId="{C4523B9E-85E6-35E7-1AC3-CF8201F54D54}"/>
+          </ac:picMkLst>
+        </pc:picChg>
+      </pc:sldChg>
+      <pc:sldChg chg="addSp delSp modSp new mod">
+        <pc:chgData name="Jean Carlos Ramos" userId="45922d7239631b37" providerId="LiveId" clId="{DFE6C409-C545-4A1E-B846-3B31E2C622E6}" dt="2023-06-12T10:24:38.765" v="154" actId="1076"/>
+        <pc:sldMkLst>
+          <pc:docMk/>
+          <pc:sldMk cId="1444583672" sldId="264"/>
+        </pc:sldMkLst>
+        <pc:spChg chg="del">
+          <ac:chgData name="Jean Carlos Ramos" userId="45922d7239631b37" providerId="LiveId" clId="{DFE6C409-C545-4A1E-B846-3B31E2C622E6}" dt="2023-06-12T10:18:44.209" v="105" actId="478"/>
+          <ac:spMkLst>
+            <pc:docMk/>
+            <pc:sldMk cId="1444583672" sldId="264"/>
+            <ac:spMk id="2" creationId="{7A6615FE-4E77-A286-6CD0-157D10744C90}"/>
+          </ac:spMkLst>
+        </pc:spChg>
+        <pc:spChg chg="del">
+          <ac:chgData name="Jean Carlos Ramos" userId="45922d7239631b37" providerId="LiveId" clId="{DFE6C409-C545-4A1E-B846-3B31E2C622E6}" dt="2023-06-12T10:18:31.968" v="95"/>
+          <ac:spMkLst>
+            <pc:docMk/>
+            <pc:sldMk cId="1444583672" sldId="264"/>
+            <ac:spMk id="3" creationId="{81CD513C-6C81-12CF-067C-B79509239DAE}"/>
+          </ac:spMkLst>
+        </pc:spChg>
+        <pc:spChg chg="add del mod">
+          <ac:chgData name="Jean Carlos Ramos" userId="45922d7239631b37" providerId="LiveId" clId="{DFE6C409-C545-4A1E-B846-3B31E2C622E6}" dt="2023-06-12T10:24:10.100" v="147"/>
+          <ac:spMkLst>
+            <pc:docMk/>
+            <pc:sldMk cId="1444583672" sldId="264"/>
+            <ac:spMk id="9" creationId="{8187D3CC-4E88-F61C-205E-DE8B29AEB2F1}"/>
+          </ac:spMkLst>
+        </pc:spChg>
+        <pc:picChg chg="add del mod">
+          <ac:chgData name="Jean Carlos Ramos" userId="45922d7239631b37" providerId="LiveId" clId="{DFE6C409-C545-4A1E-B846-3B31E2C622E6}" dt="2023-06-12T10:20:26.241" v="142" actId="478"/>
+          <ac:picMkLst>
+            <pc:docMk/>
+            <pc:sldMk cId="1444583672" sldId="264"/>
+            <ac:picMk id="5" creationId="{59716759-23E6-C1EC-A0D5-C9430F740D61}"/>
+          </ac:picMkLst>
+        </pc:picChg>
+        <pc:picChg chg="add del mod">
+          <ac:chgData name="Jean Carlos Ramos" userId="45922d7239631b37" providerId="LiveId" clId="{DFE6C409-C545-4A1E-B846-3B31E2C622E6}" dt="2023-06-12T10:20:29.206" v="143" actId="478"/>
+          <ac:picMkLst>
+            <pc:docMk/>
+            <pc:sldMk cId="1444583672" sldId="264"/>
+            <ac:picMk id="7" creationId="{B967E2CA-21A6-A8F0-A310-FFEB6EF456C3}"/>
+          </ac:picMkLst>
+        </pc:picChg>
+        <pc:picChg chg="add mod">
+          <ac:chgData name="Jean Carlos Ramos" userId="45922d7239631b37" providerId="LiveId" clId="{DFE6C409-C545-4A1E-B846-3B31E2C622E6}" dt="2023-06-12T10:24:38.765" v="154" actId="1076"/>
+          <ac:picMkLst>
+            <pc:docMk/>
+            <pc:sldMk cId="1444583672" sldId="264"/>
+            <ac:picMk id="11" creationId="{7A5B515F-F4F2-92EF-51D3-4656ACD27521}"/>
+          </ac:picMkLst>
+        </pc:picChg>
+      </pc:sldChg>
+      <pc:sldChg chg="addSp delSp modSp new del mod">
+        <pc:chgData name="Jean Carlos Ramos" userId="45922d7239631b37" providerId="LiveId" clId="{DFE6C409-C545-4A1E-B846-3B31E2C622E6}" dt="2023-06-12T10:18:23.873" v="93" actId="680"/>
+        <pc:sldMkLst>
+          <pc:docMk/>
+          <pc:sldMk cId="2730695192" sldId="264"/>
+        </pc:sldMkLst>
+        <pc:spChg chg="add del">
+          <ac:chgData name="Jean Carlos Ramos" userId="45922d7239631b37" providerId="LiveId" clId="{DFE6C409-C545-4A1E-B846-3B31E2C622E6}" dt="2023-06-12T10:18:23.602" v="92"/>
+          <ac:spMkLst>
+            <pc:docMk/>
+            <pc:sldMk cId="2730695192" sldId="264"/>
+            <ac:spMk id="3" creationId="{49216819-64B9-6CCF-5F82-284EE39BC3EB}"/>
+          </ac:spMkLst>
+        </pc:spChg>
+        <pc:picChg chg="add del mod">
+          <ac:chgData name="Jean Carlos Ramos" userId="45922d7239631b37" providerId="LiveId" clId="{DFE6C409-C545-4A1E-B846-3B31E2C622E6}" dt="2023-06-12T10:18:23.602" v="92"/>
+          <ac:picMkLst>
+            <pc:docMk/>
+            <pc:sldMk cId="2730695192" sldId="264"/>
+            <ac:picMk id="5" creationId="{0DFBF3F0-03A7-0B5B-23DD-32CF95050EB0}"/>
+          </ac:picMkLst>
+        </pc:picChg>
+        <pc:picChg chg="add del mod">
+          <ac:chgData name="Jean Carlos Ramos" userId="45922d7239631b37" providerId="LiveId" clId="{DFE6C409-C545-4A1E-B846-3B31E2C622E6}" dt="2023-06-12T10:18:23.602" v="92"/>
+          <ac:picMkLst>
+            <pc:docMk/>
+            <pc:sldMk cId="2730695192" sldId="264"/>
+            <ac:picMk id="7" creationId="{B9A58B79-7BD5-F2A3-40A2-F1774025BDBE}"/>
+          </ac:picMkLst>
+        </pc:picChg>
+        <pc:picChg chg="add del mod">
+          <ac:chgData name="Jean Carlos Ramos" userId="45922d7239631b37" providerId="LiveId" clId="{DFE6C409-C545-4A1E-B846-3B31E2C622E6}" dt="2023-06-12T10:18:23.602" v="92"/>
+          <ac:picMkLst>
+            <pc:docMk/>
+            <pc:sldMk cId="2730695192" sldId="264"/>
+            <ac:picMk id="9" creationId="{B1D2B665-3DCE-8812-9789-41B3011EAF7A}"/>
+          </ac:picMkLst>
+        </pc:picChg>
+        <pc:picChg chg="add del mod">
+          <ac:chgData name="Jean Carlos Ramos" userId="45922d7239631b37" providerId="LiveId" clId="{DFE6C409-C545-4A1E-B846-3B31E2C622E6}" dt="2023-06-12T10:18:23.602" v="92"/>
+          <ac:picMkLst>
+            <pc:docMk/>
+            <pc:sldMk cId="2730695192" sldId="264"/>
+            <ac:picMk id="11" creationId="{F2B94A41-E73F-80FD-DB98-C4D844F62808}"/>
+          </ac:picMkLst>
+        </pc:picChg>
+        <pc:picChg chg="add del mod">
+          <ac:chgData name="Jean Carlos Ramos" userId="45922d7239631b37" providerId="LiveId" clId="{DFE6C409-C545-4A1E-B846-3B31E2C622E6}" dt="2023-06-12T10:18:23.602" v="92"/>
+          <ac:picMkLst>
+            <pc:docMk/>
+            <pc:sldMk cId="2730695192" sldId="264"/>
+            <ac:picMk id="13" creationId="{B5180712-55C5-E4FC-ADC5-B6BD6AC125EC}"/>
+          </ac:picMkLst>
+        </pc:picChg>
+      </pc:sldChg>
+      <pc:sldChg chg="addSp delSp modSp new mod">
+        <pc:chgData name="Jean Carlos Ramos" userId="45922d7239631b37" providerId="LiveId" clId="{DFE6C409-C545-4A1E-B846-3B31E2C622E6}" dt="2023-06-12T10:25:12.599" v="167" actId="14100"/>
+        <pc:sldMkLst>
+          <pc:docMk/>
+          <pc:sldMk cId="1348104096" sldId="265"/>
+        </pc:sldMkLst>
+        <pc:spChg chg="del">
+          <ac:chgData name="Jean Carlos Ramos" userId="45922d7239631b37" providerId="LiveId" clId="{DFE6C409-C545-4A1E-B846-3B31E2C622E6}" dt="2023-06-12T10:19:11.233" v="115" actId="478"/>
+          <ac:spMkLst>
+            <pc:docMk/>
+            <pc:sldMk cId="1348104096" sldId="265"/>
+            <ac:spMk id="2" creationId="{CA6F8C63-C1AE-AB9A-9151-FF0019F57297}"/>
+          </ac:spMkLst>
+        </pc:spChg>
+        <pc:spChg chg="del">
+          <ac:chgData name="Jean Carlos Ramos" userId="45922d7239631b37" providerId="LiveId" clId="{DFE6C409-C545-4A1E-B846-3B31E2C622E6}" dt="2023-06-12T10:19:07.886" v="111"/>
+          <ac:spMkLst>
+            <pc:docMk/>
+            <pc:sldMk cId="1348104096" sldId="265"/>
+            <ac:spMk id="3" creationId="{002E3C5F-ACE6-A2EC-49AE-B052EB33A2C4}"/>
+          </ac:spMkLst>
+        </pc:spChg>
+        <pc:spChg chg="add del mod">
+          <ac:chgData name="Jean Carlos Ramos" userId="45922d7239631b37" providerId="LiveId" clId="{DFE6C409-C545-4A1E-B846-3B31E2C622E6}" dt="2023-06-12T10:24:48.247" v="155"/>
+          <ac:spMkLst>
+            <pc:docMk/>
+            <pc:sldMk cId="1348104096" sldId="265"/>
+            <ac:spMk id="9" creationId="{77B769C5-635F-AD51-C411-E645D789A90B}"/>
+          </ac:spMkLst>
+        </pc:spChg>
+        <pc:picChg chg="add del mod">
+          <ac:chgData name="Jean Carlos Ramos" userId="45922d7239631b37" providerId="LiveId" clId="{DFE6C409-C545-4A1E-B846-3B31E2C622E6}" dt="2023-06-12T10:20:31.136" v="144" actId="478"/>
+          <ac:picMkLst>
+            <pc:docMk/>
+            <pc:sldMk cId="1348104096" sldId="265"/>
+            <ac:picMk id="5" creationId="{C1127770-A72D-6C46-9791-8725ED203148}"/>
+          </ac:picMkLst>
+        </pc:picChg>
+        <pc:picChg chg="add del mod">
+          <ac:chgData name="Jean Carlos Ramos" userId="45922d7239631b37" providerId="LiveId" clId="{DFE6C409-C545-4A1E-B846-3B31E2C622E6}" dt="2023-06-12T10:19:51.787" v="132" actId="478"/>
+          <ac:picMkLst>
+            <pc:docMk/>
+            <pc:sldMk cId="1348104096" sldId="265"/>
+            <ac:picMk id="7" creationId="{3C2B4FEA-4BB8-F058-CF79-8C4B0326AB18}"/>
+          </ac:picMkLst>
+        </pc:picChg>
+        <pc:picChg chg="add mod">
+          <ac:chgData name="Jean Carlos Ramos" userId="45922d7239631b37" providerId="LiveId" clId="{DFE6C409-C545-4A1E-B846-3B31E2C622E6}" dt="2023-06-12T10:25:07.731" v="166" actId="14100"/>
+          <ac:picMkLst>
+            <pc:docMk/>
+            <pc:sldMk cId="1348104096" sldId="265"/>
+            <ac:picMk id="11" creationId="{77D5C73B-2EDA-DB38-D425-EFDF9853C621}"/>
+          </ac:picMkLst>
+        </pc:picChg>
+        <pc:picChg chg="add mod">
+          <ac:chgData name="Jean Carlos Ramos" userId="45922d7239631b37" providerId="LiveId" clId="{DFE6C409-C545-4A1E-B846-3B31E2C622E6}" dt="2023-06-12T10:25:12.599" v="167" actId="14100"/>
+          <ac:picMkLst>
+            <pc:docMk/>
+            <pc:sldMk cId="1348104096" sldId="265"/>
+            <ac:picMk id="13" creationId="{8C22B248-C263-58A0-18B5-71A00A625030}"/>
+          </ac:picMkLst>
+        </pc:picChg>
+      </pc:sldChg>
+      <pc:sldChg chg="addSp delSp modSp new mod">
+        <pc:chgData name="Jean Carlos Ramos" userId="45922d7239631b37" providerId="LiveId" clId="{DFE6C409-C545-4A1E-B846-3B31E2C622E6}" dt="2023-06-12T10:25:45.515" v="181" actId="1076"/>
+        <pc:sldMkLst>
+          <pc:docMk/>
+          <pc:sldMk cId="3625139206" sldId="266"/>
+        </pc:sldMkLst>
+        <pc:spChg chg="del">
+          <ac:chgData name="Jean Carlos Ramos" userId="45922d7239631b37" providerId="LiveId" clId="{DFE6C409-C545-4A1E-B846-3B31E2C622E6}" dt="2023-06-12T10:19:46.152" v="131" actId="478"/>
+          <ac:spMkLst>
+            <pc:docMk/>
+            <pc:sldMk cId="3625139206" sldId="266"/>
+            <ac:spMk id="2" creationId="{6802B706-D2BE-1589-3CB3-46F552CC30C6}"/>
+          </ac:spMkLst>
+        </pc:spChg>
+        <pc:spChg chg="del">
+          <ac:chgData name="Jean Carlos Ramos" userId="45922d7239631b37" providerId="LiveId" clId="{DFE6C409-C545-4A1E-B846-3B31E2C622E6}" dt="2023-06-12T10:19:43.577" v="128"/>
+          <ac:spMkLst>
+            <pc:docMk/>
+            <pc:sldMk cId="3625139206" sldId="266"/>
+            <ac:spMk id="3" creationId="{1ED7AE62-E571-30FE-4131-9E4E94E841BA}"/>
+          </ac:spMkLst>
+        </pc:spChg>
+        <pc:spChg chg="add del mod">
+          <ac:chgData name="Jean Carlos Ramos" userId="45922d7239631b37" providerId="LiveId" clId="{DFE6C409-C545-4A1E-B846-3B31E2C622E6}" dt="2023-06-12T10:25:26.498" v="168"/>
+          <ac:spMkLst>
+            <pc:docMk/>
+            <pc:sldMk cId="3625139206" sldId="266"/>
+            <ac:spMk id="9" creationId="{A8E40B9E-E9A1-D3DD-E112-4B2453BAE65C}"/>
+          </ac:spMkLst>
+        </pc:spChg>
+        <pc:picChg chg="add del mod">
+          <ac:chgData name="Jean Carlos Ramos" userId="45922d7239631b37" providerId="LiveId" clId="{DFE6C409-C545-4A1E-B846-3B31E2C622E6}" dt="2023-06-12T10:20:33.271" v="146" actId="478"/>
+          <ac:picMkLst>
+            <pc:docMk/>
+            <pc:sldMk cId="3625139206" sldId="266"/>
+            <ac:picMk id="5" creationId="{8B3CE807-A631-00CC-658C-9F453C17CBBA}"/>
+          </ac:picMkLst>
+        </pc:picChg>
+        <pc:picChg chg="add del mod">
+          <ac:chgData name="Jean Carlos Ramos" userId="45922d7239631b37" providerId="LiveId" clId="{DFE6C409-C545-4A1E-B846-3B31E2C622E6}" dt="2023-06-12T10:20:32.659" v="145" actId="478"/>
+          <ac:picMkLst>
+            <pc:docMk/>
+            <pc:sldMk cId="3625139206" sldId="266"/>
+            <ac:picMk id="7" creationId="{67CC26D4-FBB2-0C00-5175-66F5F4F966D3}"/>
+          </ac:picMkLst>
+        </pc:picChg>
+        <pc:picChg chg="add mod">
+          <ac:chgData name="Jean Carlos Ramos" userId="45922d7239631b37" providerId="LiveId" clId="{DFE6C409-C545-4A1E-B846-3B31E2C622E6}" dt="2023-06-12T10:25:45.515" v="181" actId="1076"/>
+          <ac:picMkLst>
+            <pc:docMk/>
+            <pc:sldMk cId="3625139206" sldId="266"/>
+            <ac:picMk id="11" creationId="{F5969C67-99B6-A0FB-9D63-B210DADD451F}"/>
+          </ac:picMkLst>
+        </pc:picChg>
+        <pc:picChg chg="add mod">
+          <ac:chgData name="Jean Carlos Ramos" userId="45922d7239631b37" providerId="LiveId" clId="{DFE6C409-C545-4A1E-B846-3B31E2C622E6}" dt="2023-06-12T10:25:41.738" v="180" actId="1076"/>
+          <ac:picMkLst>
+            <pc:docMk/>
+            <pc:sldMk cId="3625139206" sldId="266"/>
+            <ac:picMk id="13" creationId="{99889518-F0C4-D6D6-9340-BC0473FFC095}"/>
+          </ac:picMkLst>
+        </pc:picChg>
+      </pc:sldChg>
+      <pc:sldChg chg="addSp delSp modSp new mod">
+        <pc:chgData name="Jean Carlos Ramos" userId="45922d7239631b37" providerId="LiveId" clId="{DFE6C409-C545-4A1E-B846-3B31E2C622E6}" dt="2023-06-12T10:35:50.164" v="200" actId="14100"/>
+        <pc:sldMkLst>
+          <pc:docMk/>
+          <pc:sldMk cId="1502762800" sldId="267"/>
+        </pc:sldMkLst>
+        <pc:spChg chg="del">
+          <ac:chgData name="Jean Carlos Ramos" userId="45922d7239631b37" providerId="LiveId" clId="{DFE6C409-C545-4A1E-B846-3B31E2C622E6}" dt="2023-06-12T10:35:46.633" v="198" actId="478"/>
+          <ac:spMkLst>
+            <pc:docMk/>
+            <pc:sldMk cId="1502762800" sldId="267"/>
+            <ac:spMk id="2" creationId="{25475E70-DC3C-02EF-06BB-89D8C2578719}"/>
+          </ac:spMkLst>
+        </pc:spChg>
+        <pc:spChg chg="add del">
+          <ac:chgData name="Jean Carlos Ramos" userId="45922d7239631b37" providerId="LiveId" clId="{DFE6C409-C545-4A1E-B846-3B31E2C622E6}" dt="2023-06-12T10:35:43.117" v="194"/>
+          <ac:spMkLst>
+            <pc:docMk/>
+            <pc:sldMk cId="1502762800" sldId="267"/>
+            <ac:spMk id="3" creationId="{EE403B1D-2F9C-D28F-47B3-27BF8934656E}"/>
+          </ac:spMkLst>
+        </pc:spChg>
+        <pc:picChg chg="add del mod">
+          <ac:chgData name="Jean Carlos Ramos" userId="45922d7239631b37" providerId="LiveId" clId="{DFE6C409-C545-4A1E-B846-3B31E2C622E6}" dt="2023-06-12T10:35:39.681" v="193"/>
+          <ac:picMkLst>
+            <pc:docMk/>
+            <pc:sldMk cId="1502762800" sldId="267"/>
+            <ac:picMk id="5" creationId="{2648364B-FF45-4356-D937-7C3FEC8DC310}"/>
+          </ac:picMkLst>
+        </pc:picChg>
+        <pc:picChg chg="add del mod">
+          <ac:chgData name="Jean Carlos Ramos" userId="45922d7239631b37" providerId="LiveId" clId="{DFE6C409-C545-4A1E-B846-3B31E2C622E6}" dt="2023-06-12T10:35:39.681" v="193"/>
+          <ac:picMkLst>
+            <pc:docMk/>
+            <pc:sldMk cId="1502762800" sldId="267"/>
+            <ac:picMk id="7" creationId="{24CA813F-0673-F990-6F8F-21CA9F6B69EE}"/>
+          </ac:picMkLst>
+        </pc:picChg>
+        <pc:picChg chg="add del mod">
+          <ac:chgData name="Jean Carlos Ramos" userId="45922d7239631b37" providerId="LiveId" clId="{DFE6C409-C545-4A1E-B846-3B31E2C622E6}" dt="2023-06-12T10:35:39.681" v="193"/>
+          <ac:picMkLst>
+            <pc:docMk/>
+            <pc:sldMk cId="1502762800" sldId="267"/>
+            <ac:picMk id="9" creationId="{2F6B1C1D-3025-7CE9-8664-A1D435617B18}"/>
+          </ac:picMkLst>
+        </pc:picChg>
+        <pc:picChg chg="add del mod">
+          <ac:chgData name="Jean Carlos Ramos" userId="45922d7239631b37" providerId="LiveId" clId="{DFE6C409-C545-4A1E-B846-3B31E2C622E6}" dt="2023-06-12T10:35:39.681" v="193"/>
+          <ac:picMkLst>
+            <pc:docMk/>
+            <pc:sldMk cId="1502762800" sldId="267"/>
+            <ac:picMk id="11" creationId="{D81444E4-DD9D-EACA-524D-0A88806E9D82}"/>
+          </ac:picMkLst>
+        </pc:picChg>
+        <pc:picChg chg="add mod">
+          <ac:chgData name="Jean Carlos Ramos" userId="45922d7239631b37" providerId="LiveId" clId="{DFE6C409-C545-4A1E-B846-3B31E2C622E6}" dt="2023-06-12T10:35:50.164" v="200" actId="14100"/>
+          <ac:picMkLst>
+            <pc:docMk/>
+            <pc:sldMk cId="1502762800" sldId="267"/>
+            <ac:picMk id="13" creationId="{0534F8BE-5959-2C41-32ED-FBB0027AB575}"/>
+          </ac:picMkLst>
+        </pc:picChg>
+      </pc:sldChg>
+      <pc:sldChg chg="addSp delSp modSp new mod">
+        <pc:chgData name="Jean Carlos Ramos" userId="45922d7239631b37" providerId="LiveId" clId="{DFE6C409-C545-4A1E-B846-3B31E2C622E6}" dt="2023-06-12T10:36:07.423" v="207" actId="1076"/>
+        <pc:sldMkLst>
+          <pc:docMk/>
+          <pc:sldMk cId="1735918863" sldId="268"/>
+        </pc:sldMkLst>
+        <pc:spChg chg="del">
+          <ac:chgData name="Jean Carlos Ramos" userId="45922d7239631b37" providerId="LiveId" clId="{DFE6C409-C545-4A1E-B846-3B31E2C622E6}" dt="2023-06-12T10:36:02.686" v="205" actId="478"/>
+          <ac:spMkLst>
+            <pc:docMk/>
+            <pc:sldMk cId="1735918863" sldId="268"/>
+            <ac:spMk id="2" creationId="{702658CE-C579-ED56-EA38-D2FF26EB2887}"/>
+          </ac:spMkLst>
+        </pc:spChg>
+        <pc:spChg chg="del">
+          <ac:chgData name="Jean Carlos Ramos" userId="45922d7239631b37" providerId="LiveId" clId="{DFE6C409-C545-4A1E-B846-3B31E2C622E6}" dt="2023-06-12T10:35:59.689" v="202"/>
+          <ac:spMkLst>
+            <pc:docMk/>
+            <pc:sldMk cId="1735918863" sldId="268"/>
+            <ac:spMk id="3" creationId="{851C9E19-EEAF-4380-99BE-E9F70905EA67}"/>
+          </ac:spMkLst>
+        </pc:spChg>
+        <pc:picChg chg="add mod">
+          <ac:chgData name="Jean Carlos Ramos" userId="45922d7239631b37" providerId="LiveId" clId="{DFE6C409-C545-4A1E-B846-3B31E2C622E6}" dt="2023-06-12T10:36:07.423" v="207" actId="1076"/>
+          <ac:picMkLst>
+            <pc:docMk/>
+            <pc:sldMk cId="1735918863" sldId="268"/>
+            <ac:picMk id="5" creationId="{F5EB3B19-BA61-FDD9-8D31-34F54075BF20}"/>
+          </ac:picMkLst>
+        </pc:picChg>
+      </pc:sldChg>
+      <pc:sldChg chg="addSp delSp modSp new mod">
+        <pc:chgData name="Jean Carlos Ramos" userId="45922d7239631b37" providerId="LiveId" clId="{DFE6C409-C545-4A1E-B846-3B31E2C622E6}" dt="2023-06-12T10:36:21.044" v="215" actId="14100"/>
+        <pc:sldMkLst>
+          <pc:docMk/>
+          <pc:sldMk cId="3592884956" sldId="269"/>
+        </pc:sldMkLst>
+        <pc:spChg chg="del">
+          <ac:chgData name="Jean Carlos Ramos" userId="45922d7239631b37" providerId="LiveId" clId="{DFE6C409-C545-4A1E-B846-3B31E2C622E6}" dt="2023-06-12T10:36:12.944" v="209" actId="478"/>
+          <ac:spMkLst>
+            <pc:docMk/>
+            <pc:sldMk cId="3592884956" sldId="269"/>
+            <ac:spMk id="2" creationId="{53B96B2E-013A-959A-C812-708112136518}"/>
+          </ac:spMkLst>
+        </pc:spChg>
+        <pc:spChg chg="del">
+          <ac:chgData name="Jean Carlos Ramos" userId="45922d7239631b37" providerId="LiveId" clId="{DFE6C409-C545-4A1E-B846-3B31E2C622E6}" dt="2023-06-12T10:36:15.518" v="210"/>
+          <ac:spMkLst>
+            <pc:docMk/>
+            <pc:sldMk cId="3592884956" sldId="269"/>
+            <ac:spMk id="3" creationId="{FDDB64A8-A2A9-145B-87BD-E692C0C92BCE}"/>
+          </ac:spMkLst>
+        </pc:spChg>
+        <pc:picChg chg="add mod">
+          <ac:chgData name="Jean Carlos Ramos" userId="45922d7239631b37" providerId="LiveId" clId="{DFE6C409-C545-4A1E-B846-3B31E2C622E6}" dt="2023-06-12T10:36:21.044" v="215" actId="14100"/>
+          <ac:picMkLst>
+            <pc:docMk/>
+            <pc:sldMk cId="3592884956" sldId="269"/>
+            <ac:picMk id="5" creationId="{DAAC4D53-AC0A-2F43-6B1A-7F850250742D}"/>
+          </ac:picMkLst>
+        </pc:picChg>
+      </pc:sldChg>
+      <pc:sldChg chg="addSp delSp modSp new mod">
+        <pc:chgData name="Jean Carlos Ramos" userId="45922d7239631b37" providerId="LiveId" clId="{DFE6C409-C545-4A1E-B846-3B31E2C622E6}" dt="2023-06-12T10:36:41.848" v="224" actId="1076"/>
+        <pc:sldMkLst>
+          <pc:docMk/>
+          <pc:sldMk cId="2473463398" sldId="270"/>
+        </pc:sldMkLst>
+        <pc:spChg chg="del">
+          <ac:chgData name="Jean Carlos Ramos" userId="45922d7239631b37" providerId="LiveId" clId="{DFE6C409-C545-4A1E-B846-3B31E2C622E6}" dt="2023-06-12T10:36:30.413" v="217" actId="478"/>
+          <ac:spMkLst>
+            <pc:docMk/>
+            <pc:sldMk cId="2473463398" sldId="270"/>
+            <ac:spMk id="2" creationId="{E8C31378-7E24-A466-60C1-D2B33EAE2775}"/>
+          </ac:spMkLst>
+        </pc:spChg>
+        <pc:spChg chg="del">
+          <ac:chgData name="Jean Carlos Ramos" userId="45922d7239631b37" providerId="LiveId" clId="{DFE6C409-C545-4A1E-B846-3B31E2C622E6}" dt="2023-06-12T10:36:32.783" v="218"/>
+          <ac:spMkLst>
+            <pc:docMk/>
+            <pc:sldMk cId="2473463398" sldId="270"/>
+            <ac:spMk id="3" creationId="{121441F8-571A-DADC-0554-D8E34D3A43AC}"/>
+          </ac:spMkLst>
+        </pc:spChg>
+        <pc:picChg chg="add mod">
+          <ac:chgData name="Jean Carlos Ramos" userId="45922d7239631b37" providerId="LiveId" clId="{DFE6C409-C545-4A1E-B846-3B31E2C622E6}" dt="2023-06-12T10:36:41.848" v="224" actId="1076"/>
+          <ac:picMkLst>
+            <pc:docMk/>
+            <pc:sldMk cId="2473463398" sldId="270"/>
+            <ac:picMk id="5" creationId="{F8F3D1C9-8210-FCC9-84BB-4DA686304B6E}"/>
+          </ac:picMkLst>
+        </pc:picChg>
+      </pc:sldChg>
+      <pc:sldChg chg="modSp new mod">
+        <pc:chgData name="Jean Carlos Ramos" userId="45922d7239631b37" providerId="LiveId" clId="{DFE6C409-C545-4A1E-B846-3B31E2C622E6}" dt="2023-06-12T10:39:16.291" v="418" actId="1076"/>
+        <pc:sldMkLst>
+          <pc:docMk/>
+          <pc:sldMk cId="1269854851" sldId="271"/>
+        </pc:sldMkLst>
+        <pc:spChg chg="mod">
+          <ac:chgData name="Jean Carlos Ramos" userId="45922d7239631b37" providerId="LiveId" clId="{DFE6C409-C545-4A1E-B846-3B31E2C622E6}" dt="2023-06-12T10:39:06.022" v="416" actId="255"/>
+          <ac:spMkLst>
+            <pc:docMk/>
+            <pc:sldMk cId="1269854851" sldId="271"/>
+            <ac:spMk id="2" creationId="{5AAE8D36-1C11-8763-56BF-B7F68B29DDDF}"/>
+          </ac:spMkLst>
+        </pc:spChg>
+        <pc:spChg chg="mod">
+          <ac:chgData name="Jean Carlos Ramos" userId="45922d7239631b37" providerId="LiveId" clId="{DFE6C409-C545-4A1E-B846-3B31E2C622E6}" dt="2023-06-12T10:39:16.291" v="418" actId="1076"/>
+          <ac:spMkLst>
+            <pc:docMk/>
+            <pc:sldMk cId="1269854851" sldId="271"/>
+            <ac:spMk id="3" creationId="{1EC8FF17-0943-A15A-AA0C-79B0249A1635}"/>
+          </ac:spMkLst>
+        </pc:spChg>
       </pc:sldChg>
     </pc:docChg>
   </pc:docChgLst>
@@ -4204,6 +4847,591 @@
 </p:sld>
 </file>
 
+<file path=ppt/slides/slide10.xml><?xml version="1.0" encoding="utf-8"?>
+<p:sld xmlns:a="http://schemas.openxmlformats.org/drawingml/2006/main" xmlns:r="http://schemas.openxmlformats.org/officeDocument/2006/relationships" xmlns:p="http://schemas.openxmlformats.org/presentationml/2006/main">
+  <p:cSld>
+    <p:spTree>
+      <p:nvGrpSpPr>
+        <p:cNvPr id="1" name=""/>
+        <p:cNvGrpSpPr/>
+        <p:nvPr/>
+      </p:nvGrpSpPr>
+      <p:grpSpPr>
+        <a:xfrm>
+          <a:off x="0" y="0"/>
+          <a:ext cx="0" cy="0"/>
+          <a:chOff x="0" y="0"/>
+          <a:chExt cx="0" cy="0"/>
+        </a:xfrm>
+      </p:grpSpPr>
+      <p:pic>
+        <p:nvPicPr>
+          <p:cNvPr id="11" name="Espaço Reservado para Conteúdo 10" descr="Tabela&#10;&#10;Descrição gerada automaticamente">
+            <a:extLst>
+              <a:ext uri="{FF2B5EF4-FFF2-40B4-BE49-F238E27FC236}">
+                <a16:creationId xmlns:a16="http://schemas.microsoft.com/office/drawing/2014/main" id="{77D5C73B-2EDA-DB38-D425-EFDF9853C621}"/>
+              </a:ext>
+            </a:extLst>
+          </p:cNvPr>
+          <p:cNvPicPr>
+            <a:picLocks noGrp="1" noChangeAspect="1"/>
+          </p:cNvPicPr>
+          <p:nvPr>
+            <p:ph idx="1"/>
+          </p:nvPr>
+        </p:nvPicPr>
+        <p:blipFill>
+          <a:blip r:embed="rId2">
+            <a:extLst>
+              <a:ext uri="{28A0092B-C50C-407E-A947-70E740481C1C}">
+                <a14:useLocalDpi xmlns:a14="http://schemas.microsoft.com/office/drawing/2010/main" val="0"/>
+              </a:ext>
+            </a:extLst>
+          </a:blip>
+          <a:stretch>
+            <a:fillRect/>
+          </a:stretch>
+        </p:blipFill>
+        <p:spPr>
+          <a:xfrm>
+            <a:off x="171596" y="206695"/>
+            <a:ext cx="5998295" cy="3905795"/>
+          </a:xfrm>
+        </p:spPr>
+      </p:pic>
+      <p:pic>
+        <p:nvPicPr>
+          <p:cNvPr id="13" name="Imagem 12" descr="Tabela&#10;&#10;Descrição gerada automaticamente">
+            <a:extLst>
+              <a:ext uri="{FF2B5EF4-FFF2-40B4-BE49-F238E27FC236}">
+                <a16:creationId xmlns:a16="http://schemas.microsoft.com/office/drawing/2014/main" id="{8C22B248-C263-58A0-18B5-71A00A625030}"/>
+              </a:ext>
+            </a:extLst>
+          </p:cNvPr>
+          <p:cNvPicPr>
+            <a:picLocks noChangeAspect="1"/>
+          </p:cNvPicPr>
+          <p:nvPr/>
+        </p:nvPicPr>
+        <p:blipFill>
+          <a:blip r:embed="rId3">
+            <a:extLst>
+              <a:ext uri="{28A0092B-C50C-407E-A947-70E740481C1C}">
+                <a14:useLocalDpi xmlns:a14="http://schemas.microsoft.com/office/drawing/2010/main" val="0"/>
+              </a:ext>
+            </a:extLst>
+          </a:blip>
+          <a:stretch>
+            <a:fillRect/>
+          </a:stretch>
+        </p:blipFill>
+        <p:spPr>
+          <a:xfrm>
+            <a:off x="6169890" y="2011934"/>
+            <a:ext cx="5998295" cy="4201111"/>
+          </a:xfrm>
+          <a:prstGeom prst="rect">
+            <a:avLst/>
+          </a:prstGeom>
+        </p:spPr>
+      </p:pic>
+    </p:spTree>
+    <p:extLst>
+      <p:ext uri="{BB962C8B-B14F-4D97-AF65-F5344CB8AC3E}">
+        <p14:creationId xmlns:p14="http://schemas.microsoft.com/office/powerpoint/2010/main" val="1348104096"/>
+      </p:ext>
+    </p:extLst>
+  </p:cSld>
+  <p:clrMapOvr>
+    <a:masterClrMapping/>
+  </p:clrMapOvr>
+</p:sld>
+</file>
+
+<file path=ppt/slides/slide11.xml><?xml version="1.0" encoding="utf-8"?>
+<p:sld xmlns:a="http://schemas.openxmlformats.org/drawingml/2006/main" xmlns:r="http://schemas.openxmlformats.org/officeDocument/2006/relationships" xmlns:p="http://schemas.openxmlformats.org/presentationml/2006/main">
+  <p:cSld>
+    <p:spTree>
+      <p:nvGrpSpPr>
+        <p:cNvPr id="1" name=""/>
+        <p:cNvGrpSpPr/>
+        <p:nvPr/>
+      </p:nvGrpSpPr>
+      <p:grpSpPr>
+        <a:xfrm>
+          <a:off x="0" y="0"/>
+          <a:ext cx="0" cy="0"/>
+          <a:chOff x="0" y="0"/>
+          <a:chExt cx="0" cy="0"/>
+        </a:xfrm>
+      </p:grpSpPr>
+      <p:pic>
+        <p:nvPicPr>
+          <p:cNvPr id="11" name="Espaço Reservado para Conteúdo 10" descr="Tabela&#10;&#10;Descrição gerada automaticamente">
+            <a:extLst>
+              <a:ext uri="{FF2B5EF4-FFF2-40B4-BE49-F238E27FC236}">
+                <a16:creationId xmlns:a16="http://schemas.microsoft.com/office/drawing/2014/main" id="{F5969C67-99B6-A0FB-9D63-B210DADD451F}"/>
+              </a:ext>
+            </a:extLst>
+          </p:cNvPr>
+          <p:cNvPicPr>
+            <a:picLocks noGrp="1" noChangeAspect="1"/>
+          </p:cNvPicPr>
+          <p:nvPr>
+            <p:ph idx="1"/>
+          </p:nvPr>
+        </p:nvPicPr>
+        <p:blipFill>
+          <a:blip r:embed="rId2">
+            <a:extLst>
+              <a:ext uri="{28A0092B-C50C-407E-A947-70E740481C1C}">
+                <a14:useLocalDpi xmlns:a14="http://schemas.microsoft.com/office/drawing/2010/main" val="0"/>
+              </a:ext>
+            </a:extLst>
+          </a:blip>
+          <a:stretch>
+            <a:fillRect/>
+          </a:stretch>
+        </p:blipFill>
+        <p:spPr>
+          <a:xfrm>
+            <a:off x="3351795" y="284265"/>
+            <a:ext cx="6173061" cy="2657846"/>
+          </a:xfrm>
+        </p:spPr>
+      </p:pic>
+      <p:pic>
+        <p:nvPicPr>
+          <p:cNvPr id="13" name="Imagem 12" descr="Tabela&#10;&#10;Descrição gerada automaticamente">
+            <a:extLst>
+              <a:ext uri="{FF2B5EF4-FFF2-40B4-BE49-F238E27FC236}">
+                <a16:creationId xmlns:a16="http://schemas.microsoft.com/office/drawing/2014/main" id="{99889518-F0C4-D6D6-9340-BC0473FFC095}"/>
+              </a:ext>
+            </a:extLst>
+          </p:cNvPr>
+          <p:cNvPicPr>
+            <a:picLocks noChangeAspect="1"/>
+          </p:cNvPicPr>
+          <p:nvPr/>
+        </p:nvPicPr>
+        <p:blipFill>
+          <a:blip r:embed="rId3">
+            <a:extLst>
+              <a:ext uri="{28A0092B-C50C-407E-A947-70E740481C1C}">
+                <a14:useLocalDpi xmlns:a14="http://schemas.microsoft.com/office/drawing/2010/main" val="0"/>
+              </a:ext>
+            </a:extLst>
+          </a:blip>
+          <a:stretch>
+            <a:fillRect/>
+          </a:stretch>
+        </p:blipFill>
+        <p:spPr>
+          <a:xfrm>
+            <a:off x="3351795" y="2942111"/>
+            <a:ext cx="6134956" cy="3439005"/>
+          </a:xfrm>
+          <a:prstGeom prst="rect">
+            <a:avLst/>
+          </a:prstGeom>
+        </p:spPr>
+      </p:pic>
+    </p:spTree>
+    <p:extLst>
+      <p:ext uri="{BB962C8B-B14F-4D97-AF65-F5344CB8AC3E}">
+        <p14:creationId xmlns:p14="http://schemas.microsoft.com/office/powerpoint/2010/main" val="3625139206"/>
+      </p:ext>
+    </p:extLst>
+  </p:cSld>
+  <p:clrMapOvr>
+    <a:masterClrMapping/>
+  </p:clrMapOvr>
+</p:sld>
+</file>
+
+<file path=ppt/slides/slide12.xml><?xml version="1.0" encoding="utf-8"?>
+<p:sld xmlns:a="http://schemas.openxmlformats.org/drawingml/2006/main" xmlns:r="http://schemas.openxmlformats.org/officeDocument/2006/relationships" xmlns:p="http://schemas.openxmlformats.org/presentationml/2006/main">
+  <p:cSld>
+    <p:spTree>
+      <p:nvGrpSpPr>
+        <p:cNvPr id="1" name=""/>
+        <p:cNvGrpSpPr/>
+        <p:nvPr/>
+      </p:nvGrpSpPr>
+      <p:grpSpPr>
+        <a:xfrm>
+          <a:off x="0" y="0"/>
+          <a:ext cx="0" cy="0"/>
+          <a:chOff x="0" y="0"/>
+          <a:chExt cx="0" cy="0"/>
+        </a:xfrm>
+      </p:grpSpPr>
+      <p:pic>
+        <p:nvPicPr>
+          <p:cNvPr id="13" name="Espaço Reservado para Conteúdo 12" descr="Uma imagem contendo Calendário&#10;&#10;Descrição gerada automaticamente">
+            <a:extLst>
+              <a:ext uri="{FF2B5EF4-FFF2-40B4-BE49-F238E27FC236}">
+                <a16:creationId xmlns:a16="http://schemas.microsoft.com/office/drawing/2014/main" id="{0534F8BE-5959-2C41-32ED-FBB0027AB575}"/>
+              </a:ext>
+            </a:extLst>
+          </p:cNvPr>
+          <p:cNvPicPr>
+            <a:picLocks noGrp="1" noChangeAspect="1"/>
+          </p:cNvPicPr>
+          <p:nvPr>
+            <p:ph idx="1"/>
+          </p:nvPr>
+        </p:nvPicPr>
+        <p:blipFill>
+          <a:blip r:embed="rId2">
+            <a:extLst>
+              <a:ext uri="{28A0092B-C50C-407E-A947-70E740481C1C}">
+                <a14:useLocalDpi xmlns:a14="http://schemas.microsoft.com/office/drawing/2010/main" val="0"/>
+              </a:ext>
+            </a:extLst>
+          </a:blip>
+          <a:stretch>
+            <a:fillRect/>
+          </a:stretch>
+        </p:blipFill>
+        <p:spPr>
+          <a:xfrm>
+            <a:off x="1856529" y="904154"/>
+            <a:ext cx="8405071" cy="4983713"/>
+          </a:xfrm>
+        </p:spPr>
+      </p:pic>
+    </p:spTree>
+    <p:extLst>
+      <p:ext uri="{BB962C8B-B14F-4D97-AF65-F5344CB8AC3E}">
+        <p14:creationId xmlns:p14="http://schemas.microsoft.com/office/powerpoint/2010/main" val="1502762800"/>
+      </p:ext>
+    </p:extLst>
+  </p:cSld>
+  <p:clrMapOvr>
+    <a:masterClrMapping/>
+  </p:clrMapOvr>
+</p:sld>
+</file>
+
+<file path=ppt/slides/slide13.xml><?xml version="1.0" encoding="utf-8"?>
+<p:sld xmlns:a="http://schemas.openxmlformats.org/drawingml/2006/main" xmlns:r="http://schemas.openxmlformats.org/officeDocument/2006/relationships" xmlns:p="http://schemas.openxmlformats.org/presentationml/2006/main">
+  <p:cSld>
+    <p:spTree>
+      <p:nvGrpSpPr>
+        <p:cNvPr id="1" name=""/>
+        <p:cNvGrpSpPr/>
+        <p:nvPr/>
+      </p:nvGrpSpPr>
+      <p:grpSpPr>
+        <a:xfrm>
+          <a:off x="0" y="0"/>
+          <a:ext cx="0" cy="0"/>
+          <a:chOff x="0" y="0"/>
+          <a:chExt cx="0" cy="0"/>
+        </a:xfrm>
+      </p:grpSpPr>
+      <p:pic>
+        <p:nvPicPr>
+          <p:cNvPr id="5" name="Espaço Reservado para Conteúdo 4" descr="Uma imagem contendo Interface gráfica do usuário&#10;&#10;Descrição gerada automaticamente">
+            <a:extLst>
+              <a:ext uri="{FF2B5EF4-FFF2-40B4-BE49-F238E27FC236}">
+                <a16:creationId xmlns:a16="http://schemas.microsoft.com/office/drawing/2014/main" id="{F5EB3B19-BA61-FDD9-8D31-34F54075BF20}"/>
+              </a:ext>
+            </a:extLst>
+          </p:cNvPr>
+          <p:cNvPicPr>
+            <a:picLocks noGrp="1" noChangeAspect="1"/>
+          </p:cNvPicPr>
+          <p:nvPr>
+            <p:ph idx="1"/>
+          </p:nvPr>
+        </p:nvPicPr>
+        <p:blipFill>
+          <a:blip r:embed="rId2">
+            <a:extLst>
+              <a:ext uri="{28A0092B-C50C-407E-A947-70E740481C1C}">
+                <a14:useLocalDpi xmlns:a14="http://schemas.microsoft.com/office/drawing/2010/main" val="0"/>
+              </a:ext>
+            </a:extLst>
+          </a:blip>
+          <a:stretch>
+            <a:fillRect/>
+          </a:stretch>
+        </p:blipFill>
+        <p:spPr>
+          <a:xfrm>
+            <a:off x="1550044" y="483080"/>
+            <a:ext cx="8780014" cy="5204754"/>
+          </a:xfrm>
+        </p:spPr>
+      </p:pic>
+    </p:spTree>
+    <p:extLst>
+      <p:ext uri="{BB962C8B-B14F-4D97-AF65-F5344CB8AC3E}">
+        <p14:creationId xmlns:p14="http://schemas.microsoft.com/office/powerpoint/2010/main" val="1735918863"/>
+      </p:ext>
+    </p:extLst>
+  </p:cSld>
+  <p:clrMapOvr>
+    <a:masterClrMapping/>
+  </p:clrMapOvr>
+</p:sld>
+</file>
+
+<file path=ppt/slides/slide14.xml><?xml version="1.0" encoding="utf-8"?>
+<p:sld xmlns:a="http://schemas.openxmlformats.org/drawingml/2006/main" xmlns:r="http://schemas.openxmlformats.org/officeDocument/2006/relationships" xmlns:p="http://schemas.openxmlformats.org/presentationml/2006/main">
+  <p:cSld>
+    <p:spTree>
+      <p:nvGrpSpPr>
+        <p:cNvPr id="1" name=""/>
+        <p:cNvGrpSpPr/>
+        <p:nvPr/>
+      </p:nvGrpSpPr>
+      <p:grpSpPr>
+        <a:xfrm>
+          <a:off x="0" y="0"/>
+          <a:ext cx="0" cy="0"/>
+          <a:chOff x="0" y="0"/>
+          <a:chExt cx="0" cy="0"/>
+        </a:xfrm>
+      </p:grpSpPr>
+      <p:pic>
+        <p:nvPicPr>
+          <p:cNvPr id="5" name="Espaço Reservado para Conteúdo 4" descr="Tela de jogo de vídeo game&#10;&#10;Descrição gerada automaticamente com confiança baixa">
+            <a:extLst>
+              <a:ext uri="{FF2B5EF4-FFF2-40B4-BE49-F238E27FC236}">
+                <a16:creationId xmlns:a16="http://schemas.microsoft.com/office/drawing/2014/main" id="{DAAC4D53-AC0A-2F43-6B1A-7F850250742D}"/>
+              </a:ext>
+            </a:extLst>
+          </p:cNvPr>
+          <p:cNvPicPr>
+            <a:picLocks noGrp="1" noChangeAspect="1"/>
+          </p:cNvPicPr>
+          <p:nvPr>
+            <p:ph idx="1"/>
+          </p:nvPr>
+        </p:nvPicPr>
+        <p:blipFill>
+          <a:blip r:embed="rId2">
+            <a:extLst>
+              <a:ext uri="{28A0092B-C50C-407E-A947-70E740481C1C}">
+                <a14:useLocalDpi xmlns:a14="http://schemas.microsoft.com/office/drawing/2010/main" val="0"/>
+              </a:ext>
+            </a:extLst>
+          </a:blip>
+          <a:stretch>
+            <a:fillRect/>
+          </a:stretch>
+        </p:blipFill>
+        <p:spPr>
+          <a:xfrm>
+            <a:off x="819509" y="397953"/>
+            <a:ext cx="9696091" cy="5721910"/>
+          </a:xfrm>
+        </p:spPr>
+      </p:pic>
+    </p:spTree>
+    <p:extLst>
+      <p:ext uri="{BB962C8B-B14F-4D97-AF65-F5344CB8AC3E}">
+        <p14:creationId xmlns:p14="http://schemas.microsoft.com/office/powerpoint/2010/main" val="3592884956"/>
+      </p:ext>
+    </p:extLst>
+  </p:cSld>
+  <p:clrMapOvr>
+    <a:masterClrMapping/>
+  </p:clrMapOvr>
+</p:sld>
+</file>
+
+<file path=ppt/slides/slide15.xml><?xml version="1.0" encoding="utf-8"?>
+<p:sld xmlns:a="http://schemas.openxmlformats.org/drawingml/2006/main" xmlns:r="http://schemas.openxmlformats.org/officeDocument/2006/relationships" xmlns:p="http://schemas.openxmlformats.org/presentationml/2006/main">
+  <p:cSld>
+    <p:spTree>
+      <p:nvGrpSpPr>
+        <p:cNvPr id="1" name=""/>
+        <p:cNvGrpSpPr/>
+        <p:nvPr/>
+      </p:nvGrpSpPr>
+      <p:grpSpPr>
+        <a:xfrm>
+          <a:off x="0" y="0"/>
+          <a:ext cx="0" cy="0"/>
+          <a:chOff x="0" y="0"/>
+          <a:chExt cx="0" cy="0"/>
+        </a:xfrm>
+      </p:grpSpPr>
+      <p:pic>
+        <p:nvPicPr>
+          <p:cNvPr id="5" name="Espaço Reservado para Conteúdo 4" descr="Tela de jogo de vídeo game&#10;&#10;Descrição gerada automaticamente">
+            <a:extLst>
+              <a:ext uri="{FF2B5EF4-FFF2-40B4-BE49-F238E27FC236}">
+                <a16:creationId xmlns:a16="http://schemas.microsoft.com/office/drawing/2014/main" id="{F8F3D1C9-8210-FCC9-84BB-4DA686304B6E}"/>
+              </a:ext>
+            </a:extLst>
+          </p:cNvPr>
+          <p:cNvPicPr>
+            <a:picLocks noGrp="1" noChangeAspect="1"/>
+          </p:cNvPicPr>
+          <p:nvPr>
+            <p:ph idx="1"/>
+          </p:nvPr>
+        </p:nvPicPr>
+        <p:blipFill>
+          <a:blip r:embed="rId2">
+            <a:extLst>
+              <a:ext uri="{28A0092B-C50C-407E-A947-70E740481C1C}">
+                <a14:useLocalDpi xmlns:a14="http://schemas.microsoft.com/office/drawing/2010/main" val="0"/>
+              </a:ext>
+            </a:extLst>
+          </a:blip>
+          <a:stretch>
+            <a:fillRect/>
+          </a:stretch>
+        </p:blipFill>
+        <p:spPr>
+          <a:xfrm>
+            <a:off x="1293962" y="674687"/>
+            <a:ext cx="8888613" cy="5270425"/>
+          </a:xfrm>
+        </p:spPr>
+      </p:pic>
+    </p:spTree>
+    <p:extLst>
+      <p:ext uri="{BB962C8B-B14F-4D97-AF65-F5344CB8AC3E}">
+        <p14:creationId xmlns:p14="http://schemas.microsoft.com/office/powerpoint/2010/main" val="2473463398"/>
+      </p:ext>
+    </p:extLst>
+  </p:cSld>
+  <p:clrMapOvr>
+    <a:masterClrMapping/>
+  </p:clrMapOvr>
+</p:sld>
+</file>
+
+<file path=ppt/slides/slide16.xml><?xml version="1.0" encoding="utf-8"?>
+<p:sld xmlns:a="http://schemas.openxmlformats.org/drawingml/2006/main" xmlns:r="http://schemas.openxmlformats.org/officeDocument/2006/relationships" xmlns:p="http://schemas.openxmlformats.org/presentationml/2006/main">
+  <p:cSld>
+    <p:spTree>
+      <p:nvGrpSpPr>
+        <p:cNvPr id="1" name=""/>
+        <p:cNvGrpSpPr/>
+        <p:nvPr/>
+      </p:nvGrpSpPr>
+      <p:grpSpPr>
+        <a:xfrm>
+          <a:off x="0" y="0"/>
+          <a:ext cx="0" cy="0"/>
+          <a:chOff x="0" y="0"/>
+          <a:chExt cx="0" cy="0"/>
+        </a:xfrm>
+      </p:grpSpPr>
+      <p:sp>
+        <p:nvSpPr>
+          <p:cNvPr id="2" name="Título 1">
+            <a:extLst>
+              <a:ext uri="{FF2B5EF4-FFF2-40B4-BE49-F238E27FC236}">
+                <a16:creationId xmlns:a16="http://schemas.microsoft.com/office/drawing/2014/main" id="{5AAE8D36-1C11-8763-56BF-B7F68B29DDDF}"/>
+              </a:ext>
+            </a:extLst>
+          </p:cNvPr>
+          <p:cNvSpPr>
+            <a:spLocks noGrp="1"/>
+          </p:cNvSpPr>
+          <p:nvPr>
+            <p:ph type="title"/>
+          </p:nvPr>
+        </p:nvSpPr>
+        <p:spPr/>
+        <p:txBody>
+          <a:bodyPr>
+            <a:normAutofit/>
+          </a:bodyPr>
+          <a:lstStyle/>
+          <a:p>
+            <a:r>
+              <a:rPr lang="pt-BR" sz="5400" dirty="0"/>
+              <a:t>Conclusão:</a:t>
+            </a:r>
+          </a:p>
+        </p:txBody>
+      </p:sp>
+      <p:sp>
+        <p:nvSpPr>
+          <p:cNvPr id="3" name="Espaço Reservado para Conteúdo 2">
+            <a:extLst>
+              <a:ext uri="{FF2B5EF4-FFF2-40B4-BE49-F238E27FC236}">
+                <a16:creationId xmlns:a16="http://schemas.microsoft.com/office/drawing/2014/main" id="{1EC8FF17-0943-A15A-AA0C-79B0249A1635}"/>
+              </a:ext>
+            </a:extLst>
+          </p:cNvPr>
+          <p:cNvSpPr>
+            <a:spLocks noGrp="1"/>
+          </p:cNvSpPr>
+          <p:nvPr>
+            <p:ph idx="1"/>
+          </p:nvPr>
+        </p:nvSpPr>
+        <p:spPr>
+          <a:xfrm>
+            <a:off x="1097280" y="2872278"/>
+            <a:ext cx="10058400" cy="1583266"/>
+          </a:xfrm>
+        </p:spPr>
+        <p:txBody>
+          <a:bodyPr/>
+          <a:lstStyle/>
+          <a:p>
+            <a:pPr>
+              <a:buFont typeface="Arial" panose="020B0604020202020204" pitchFamily="34" charset="0"/>
+              <a:buChar char="•"/>
+            </a:pPr>
+            <a:r>
+              <a:rPr lang="pt-BR" dirty="0"/>
+              <a:t>Aprendizado de novas habilidades;</a:t>
+            </a:r>
+          </a:p>
+          <a:p>
+            <a:pPr>
+              <a:buFont typeface="Arial" panose="020B0604020202020204" pitchFamily="34" charset="0"/>
+              <a:buChar char="•"/>
+            </a:pPr>
+            <a:r>
+              <a:rPr lang="pt-BR" dirty="0"/>
+              <a:t>Capacidade de Trabalhar em equipe;</a:t>
+            </a:r>
+          </a:p>
+          <a:p>
+            <a:pPr>
+              <a:buFont typeface="Arial" panose="020B0604020202020204" pitchFamily="34" charset="0"/>
+              <a:buChar char="•"/>
+            </a:pPr>
+            <a:r>
+              <a:rPr lang="pt-BR" dirty="0"/>
+              <a:t>Introdução ao processo de desenvolvimento profissional;</a:t>
+            </a:r>
+          </a:p>
+          <a:p>
+            <a:pPr marL="0" indent="0">
+              <a:buNone/>
+            </a:pPr>
+            <a:endParaRPr lang="pt-BR" dirty="0"/>
+          </a:p>
+        </p:txBody>
+      </p:sp>
+    </p:spTree>
+    <p:extLst>
+      <p:ext uri="{BB962C8B-B14F-4D97-AF65-F5344CB8AC3E}">
+        <p14:creationId xmlns:p14="http://schemas.microsoft.com/office/powerpoint/2010/main" val="1269854851"/>
+      </p:ext>
+    </p:extLst>
+  </p:cSld>
+  <p:clrMapOvr>
+    <a:masterClrMapping/>
+  </p:clrMapOvr>
+</p:sld>
+</file>
+
 <file path=ppt/slides/slide2.xml><?xml version="1.0" encoding="utf-8"?>
 <p:sld xmlns:a="http://schemas.openxmlformats.org/drawingml/2006/main" xmlns:r="http://schemas.openxmlformats.org/officeDocument/2006/relationships" xmlns:p="http://schemas.openxmlformats.org/presentationml/2006/main">
   <p:cSld>
@@ -4489,60 +5717,413 @@
           <a:chExt cx="0" cy="0"/>
         </a:xfrm>
       </p:grpSpPr>
-      <p:sp>
-        <p:nvSpPr>
-          <p:cNvPr id="2" name="Título 1">
+      <p:pic>
+        <p:nvPicPr>
+          <p:cNvPr id="5" name="Espaço Reservado para Conteúdo 4" descr="Diagrama&#10;&#10;Descrição gerada automaticamente">
             <a:extLst>
               <a:ext uri="{FF2B5EF4-FFF2-40B4-BE49-F238E27FC236}">
-                <a16:creationId xmlns:a16="http://schemas.microsoft.com/office/drawing/2014/main" id="{465AF1A9-A163-7F8E-6A04-86A462FDDD4F}"/>
+                <a16:creationId xmlns:a16="http://schemas.microsoft.com/office/drawing/2014/main" id="{685C26B6-A101-4723-7DC6-004C662A22A1}"/>
               </a:ext>
             </a:extLst>
           </p:cNvPr>
-          <p:cNvSpPr>
-            <a:spLocks noGrp="1"/>
-          </p:cNvSpPr>
-          <p:nvPr>
-            <p:ph type="title"/>
-          </p:nvPr>
-        </p:nvSpPr>
-        <p:spPr/>
-        <p:txBody>
-          <a:bodyPr/>
-          <a:lstStyle/>
-          <a:p>
-            <a:endParaRPr lang="pt-BR"/>
-          </a:p>
-        </p:txBody>
-      </p:sp>
-      <p:sp>
-        <p:nvSpPr>
-          <p:cNvPr id="3" name="Espaço Reservado para Conteúdo 2">
+          <p:cNvPicPr>
+            <a:picLocks noGrp="1" noChangeAspect="1"/>
+          </p:cNvPicPr>
+          <p:nvPr>
+            <p:ph idx="1"/>
+          </p:nvPr>
+        </p:nvPicPr>
+        <p:blipFill>
+          <a:blip r:embed="rId2">
+            <a:extLst>
+              <a:ext uri="{28A0092B-C50C-407E-A947-70E740481C1C}">
+                <a14:useLocalDpi xmlns:a14="http://schemas.microsoft.com/office/drawing/2010/main" val="0"/>
+              </a:ext>
+            </a:extLst>
+          </a:blip>
+          <a:stretch>
+            <a:fillRect/>
+          </a:stretch>
+        </p:blipFill>
+        <p:spPr>
+          <a:xfrm>
+            <a:off x="4137890" y="1137679"/>
+            <a:ext cx="7379855" cy="4194715"/>
+          </a:xfrm>
+        </p:spPr>
+      </p:pic>
+      <p:pic>
+        <p:nvPicPr>
+          <p:cNvPr id="7" name="Imagem 6" descr="Diagrama&#10;&#10;Descrição gerada automaticamente">
             <a:extLst>
               <a:ext uri="{FF2B5EF4-FFF2-40B4-BE49-F238E27FC236}">
-                <a16:creationId xmlns:a16="http://schemas.microsoft.com/office/drawing/2014/main" id="{2F1DA8BC-E01B-FE32-8075-8BD7341103B4}"/>
+                <a16:creationId xmlns:a16="http://schemas.microsoft.com/office/drawing/2014/main" id="{A73FB1E3-D8E7-E06A-9A5C-D3D38306C23F}"/>
               </a:ext>
             </a:extLst>
           </p:cNvPr>
-          <p:cNvSpPr>
-            <a:spLocks noGrp="1"/>
-          </p:cNvSpPr>
-          <p:nvPr>
-            <p:ph idx="1"/>
-          </p:nvPr>
-        </p:nvSpPr>
-        <p:spPr/>
-        <p:txBody>
-          <a:bodyPr/>
-          <a:lstStyle/>
-          <a:p>
-            <a:endParaRPr lang="pt-BR"/>
-          </a:p>
-        </p:txBody>
-      </p:sp>
+          <p:cNvPicPr>
+            <a:picLocks noChangeAspect="1"/>
+          </p:cNvPicPr>
+          <p:nvPr/>
+        </p:nvPicPr>
+        <p:blipFill>
+          <a:blip r:embed="rId3">
+            <a:extLst>
+              <a:ext uri="{28A0092B-C50C-407E-A947-70E740481C1C}">
+                <a14:useLocalDpi xmlns:a14="http://schemas.microsoft.com/office/drawing/2010/main" val="0"/>
+              </a:ext>
+            </a:extLst>
+          </a:blip>
+          <a:stretch>
+            <a:fillRect/>
+          </a:stretch>
+        </p:blipFill>
+        <p:spPr>
+          <a:xfrm>
+            <a:off x="1137143" y="1313170"/>
+            <a:ext cx="2465039" cy="3198083"/>
+          </a:xfrm>
+          <a:prstGeom prst="rect">
+            <a:avLst/>
+          </a:prstGeom>
+        </p:spPr>
+      </p:pic>
     </p:spTree>
     <p:extLst>
       <p:ext uri="{BB962C8B-B14F-4D97-AF65-F5344CB8AC3E}">
         <p14:creationId xmlns:p14="http://schemas.microsoft.com/office/powerpoint/2010/main" val="2013371916"/>
+      </p:ext>
+    </p:extLst>
+  </p:cSld>
+  <p:clrMapOvr>
+    <a:masterClrMapping/>
+  </p:clrMapOvr>
+</p:sld>
+</file>
+
+<file path=ppt/slides/slide6.xml><?xml version="1.0" encoding="utf-8"?>
+<p:sld xmlns:a="http://schemas.openxmlformats.org/drawingml/2006/main" xmlns:r="http://schemas.openxmlformats.org/officeDocument/2006/relationships" xmlns:p="http://schemas.openxmlformats.org/presentationml/2006/main">
+  <p:cSld>
+    <p:spTree>
+      <p:nvGrpSpPr>
+        <p:cNvPr id="1" name=""/>
+        <p:cNvGrpSpPr/>
+        <p:nvPr/>
+      </p:nvGrpSpPr>
+      <p:grpSpPr>
+        <a:xfrm>
+          <a:off x="0" y="0"/>
+          <a:ext cx="0" cy="0"/>
+          <a:chOff x="0" y="0"/>
+          <a:chExt cx="0" cy="0"/>
+        </a:xfrm>
+      </p:grpSpPr>
+      <p:pic>
+        <p:nvPicPr>
+          <p:cNvPr id="9" name="Espaço Reservado para Conteúdo 8" descr="Tela de computador com texto preto sobre fundo verde&#10;&#10;Descrição gerada automaticamente com confiança média">
+            <a:extLst>
+              <a:ext uri="{FF2B5EF4-FFF2-40B4-BE49-F238E27FC236}">
+                <a16:creationId xmlns:a16="http://schemas.microsoft.com/office/drawing/2014/main" id="{1038A5BF-D212-CBC7-7C54-E0514E50AA98}"/>
+              </a:ext>
+            </a:extLst>
+          </p:cNvPr>
+          <p:cNvPicPr>
+            <a:picLocks noGrp="1" noChangeAspect="1"/>
+          </p:cNvPicPr>
+          <p:nvPr>
+            <p:ph idx="1"/>
+          </p:nvPr>
+        </p:nvPicPr>
+        <p:blipFill>
+          <a:blip r:embed="rId2">
+            <a:extLst>
+              <a:ext uri="{28A0092B-C50C-407E-A947-70E740481C1C}">
+                <a14:useLocalDpi xmlns:a14="http://schemas.microsoft.com/office/drawing/2010/main" val="0"/>
+              </a:ext>
+            </a:extLst>
+          </a:blip>
+          <a:stretch>
+            <a:fillRect/>
+          </a:stretch>
+        </p:blipFill>
+        <p:spPr>
+          <a:xfrm>
+            <a:off x="2230581" y="341745"/>
+            <a:ext cx="7730837" cy="5942472"/>
+          </a:xfrm>
+        </p:spPr>
+      </p:pic>
+    </p:spTree>
+    <p:extLst>
+      <p:ext uri="{BB962C8B-B14F-4D97-AF65-F5344CB8AC3E}">
+        <p14:creationId xmlns:p14="http://schemas.microsoft.com/office/powerpoint/2010/main" val="3884624872"/>
+      </p:ext>
+    </p:extLst>
+  </p:cSld>
+  <p:clrMapOvr>
+    <a:masterClrMapping/>
+  </p:clrMapOvr>
+</p:sld>
+</file>
+
+<file path=ppt/slides/slide7.xml><?xml version="1.0" encoding="utf-8"?>
+<p:sld xmlns:a="http://schemas.openxmlformats.org/drawingml/2006/main" xmlns:r="http://schemas.openxmlformats.org/officeDocument/2006/relationships" xmlns:p="http://schemas.openxmlformats.org/presentationml/2006/main">
+  <p:cSld>
+    <p:spTree>
+      <p:nvGrpSpPr>
+        <p:cNvPr id="1" name=""/>
+        <p:cNvGrpSpPr/>
+        <p:nvPr/>
+      </p:nvGrpSpPr>
+      <p:grpSpPr>
+        <a:xfrm>
+          <a:off x="0" y="0"/>
+          <a:ext cx="0" cy="0"/>
+          <a:chOff x="0" y="0"/>
+          <a:chExt cx="0" cy="0"/>
+        </a:xfrm>
+      </p:grpSpPr>
+      <p:pic>
+        <p:nvPicPr>
+          <p:cNvPr id="9" name="Espaço Reservado para Conteúdo 8" descr="Diagrama&#10;&#10;Descrição gerada automaticamente">
+            <a:extLst>
+              <a:ext uri="{FF2B5EF4-FFF2-40B4-BE49-F238E27FC236}">
+                <a16:creationId xmlns:a16="http://schemas.microsoft.com/office/drawing/2014/main" id="{A691E1CC-3832-87AA-A3E4-4B4D3E5F0273}"/>
+              </a:ext>
+            </a:extLst>
+          </p:cNvPr>
+          <p:cNvPicPr>
+            <a:picLocks noGrp="1" noChangeAspect="1"/>
+          </p:cNvPicPr>
+          <p:nvPr>
+            <p:ph idx="1"/>
+          </p:nvPr>
+        </p:nvPicPr>
+        <p:blipFill>
+          <a:blip r:embed="rId2">
+            <a:extLst>
+              <a:ext uri="{28A0092B-C50C-407E-A947-70E740481C1C}">
+                <a14:useLocalDpi xmlns:a14="http://schemas.microsoft.com/office/drawing/2010/main" val="0"/>
+              </a:ext>
+            </a:extLst>
+          </a:blip>
+          <a:stretch>
+            <a:fillRect/>
+          </a:stretch>
+        </p:blipFill>
+        <p:spPr>
+          <a:xfrm>
+            <a:off x="5458045" y="473078"/>
+            <a:ext cx="4979046" cy="5280456"/>
+          </a:xfrm>
+        </p:spPr>
+      </p:pic>
+      <p:pic>
+        <p:nvPicPr>
+          <p:cNvPr id="11" name="Imagem 10" descr="Uma imagem contendo Texto&#10;&#10;Descrição gerada automaticamente">
+            <a:extLst>
+              <a:ext uri="{FF2B5EF4-FFF2-40B4-BE49-F238E27FC236}">
+                <a16:creationId xmlns:a16="http://schemas.microsoft.com/office/drawing/2014/main" id="{D6698E3A-F563-381C-24D5-EB16C7108D8D}"/>
+              </a:ext>
+            </a:extLst>
+          </p:cNvPr>
+          <p:cNvPicPr>
+            <a:picLocks noChangeAspect="1"/>
+          </p:cNvPicPr>
+          <p:nvPr/>
+        </p:nvPicPr>
+        <p:blipFill>
+          <a:blip r:embed="rId3">
+            <a:extLst>
+              <a:ext uri="{28A0092B-C50C-407E-A947-70E740481C1C}">
+                <a14:useLocalDpi xmlns:a14="http://schemas.microsoft.com/office/drawing/2010/main" val="0"/>
+              </a:ext>
+            </a:extLst>
+          </a:blip>
+          <a:stretch>
+            <a:fillRect/>
+          </a:stretch>
+        </p:blipFill>
+        <p:spPr>
+          <a:xfrm>
+            <a:off x="1458549" y="920390"/>
+            <a:ext cx="3332746" cy="2589428"/>
+          </a:xfrm>
+          <a:prstGeom prst="rect">
+            <a:avLst/>
+          </a:prstGeom>
+        </p:spPr>
+      </p:pic>
+    </p:spTree>
+    <p:extLst>
+      <p:ext uri="{BB962C8B-B14F-4D97-AF65-F5344CB8AC3E}">
+        <p14:creationId xmlns:p14="http://schemas.microsoft.com/office/powerpoint/2010/main" val="1918745731"/>
+      </p:ext>
+    </p:extLst>
+  </p:cSld>
+  <p:clrMapOvr>
+    <a:masterClrMapping/>
+  </p:clrMapOvr>
+</p:sld>
+</file>
+
+<file path=ppt/slides/slide8.xml><?xml version="1.0" encoding="utf-8"?>
+<p:sld xmlns:a="http://schemas.openxmlformats.org/drawingml/2006/main" xmlns:r="http://schemas.openxmlformats.org/officeDocument/2006/relationships" xmlns:p="http://schemas.openxmlformats.org/presentationml/2006/main">
+  <p:cSld>
+    <p:spTree>
+      <p:nvGrpSpPr>
+        <p:cNvPr id="1" name=""/>
+        <p:cNvGrpSpPr/>
+        <p:nvPr/>
+      </p:nvGrpSpPr>
+      <p:grpSpPr>
+        <a:xfrm>
+          <a:off x="0" y="0"/>
+          <a:ext cx="0" cy="0"/>
+          <a:chOff x="0" y="0"/>
+          <a:chExt cx="0" cy="0"/>
+        </a:xfrm>
+      </p:grpSpPr>
+      <p:pic>
+        <p:nvPicPr>
+          <p:cNvPr id="5" name="Espaço Reservado para Conteúdo 4" descr="Diagrama&#10;&#10;Descrição gerada automaticamente com confiança média">
+            <a:extLst>
+              <a:ext uri="{FF2B5EF4-FFF2-40B4-BE49-F238E27FC236}">
+                <a16:creationId xmlns:a16="http://schemas.microsoft.com/office/drawing/2014/main" id="{7BF36274-35E0-EC92-ECDA-78FD20CCAA56}"/>
+              </a:ext>
+            </a:extLst>
+          </p:cNvPr>
+          <p:cNvPicPr>
+            <a:picLocks noGrp="1" noChangeAspect="1"/>
+          </p:cNvPicPr>
+          <p:nvPr>
+            <p:ph idx="1"/>
+          </p:nvPr>
+        </p:nvPicPr>
+        <p:blipFill>
+          <a:blip r:embed="rId2">
+            <a:extLst>
+              <a:ext uri="{28A0092B-C50C-407E-A947-70E740481C1C}">
+                <a14:useLocalDpi xmlns:a14="http://schemas.microsoft.com/office/drawing/2010/main" val="0"/>
+              </a:ext>
+            </a:extLst>
+          </a:blip>
+          <a:stretch>
+            <a:fillRect/>
+          </a:stretch>
+        </p:blipFill>
+        <p:spPr>
+          <a:xfrm>
+            <a:off x="6169893" y="959152"/>
+            <a:ext cx="4863965" cy="4763792"/>
+          </a:xfrm>
+        </p:spPr>
+      </p:pic>
+      <p:pic>
+        <p:nvPicPr>
+          <p:cNvPr id="7" name="Imagem 6" descr="Diagrama&#10;&#10;Descrição gerada automaticamente">
+            <a:extLst>
+              <a:ext uri="{FF2B5EF4-FFF2-40B4-BE49-F238E27FC236}">
+                <a16:creationId xmlns:a16="http://schemas.microsoft.com/office/drawing/2014/main" id="{C4523B9E-85E6-35E7-1AC3-CF8201F54D54}"/>
+              </a:ext>
+            </a:extLst>
+          </p:cNvPr>
+          <p:cNvPicPr>
+            <a:picLocks noChangeAspect="1"/>
+          </p:cNvPicPr>
+          <p:nvPr/>
+        </p:nvPicPr>
+        <p:blipFill>
+          <a:blip r:embed="rId3">
+            <a:extLst>
+              <a:ext uri="{28A0092B-C50C-407E-A947-70E740481C1C}">
+                <a14:useLocalDpi xmlns:a14="http://schemas.microsoft.com/office/drawing/2010/main" val="0"/>
+              </a:ext>
+            </a:extLst>
+          </a:blip>
+          <a:stretch>
+            <a:fillRect/>
+          </a:stretch>
+        </p:blipFill>
+        <p:spPr>
+          <a:xfrm>
+            <a:off x="640279" y="1299303"/>
+            <a:ext cx="5022168" cy="4259393"/>
+          </a:xfrm>
+          <a:prstGeom prst="rect">
+            <a:avLst/>
+          </a:prstGeom>
+        </p:spPr>
+      </p:pic>
+    </p:spTree>
+    <p:extLst>
+      <p:ext uri="{BB962C8B-B14F-4D97-AF65-F5344CB8AC3E}">
+        <p14:creationId xmlns:p14="http://schemas.microsoft.com/office/powerpoint/2010/main" val="1827193571"/>
+      </p:ext>
+    </p:extLst>
+  </p:cSld>
+  <p:clrMapOvr>
+    <a:masterClrMapping/>
+  </p:clrMapOvr>
+</p:sld>
+</file>
+
+<file path=ppt/slides/slide9.xml><?xml version="1.0" encoding="utf-8"?>
+<p:sld xmlns:a="http://schemas.openxmlformats.org/drawingml/2006/main" xmlns:r="http://schemas.openxmlformats.org/officeDocument/2006/relationships" xmlns:p="http://schemas.openxmlformats.org/presentationml/2006/main">
+  <p:cSld>
+    <p:spTree>
+      <p:nvGrpSpPr>
+        <p:cNvPr id="1" name=""/>
+        <p:cNvGrpSpPr/>
+        <p:nvPr/>
+      </p:nvGrpSpPr>
+      <p:grpSpPr>
+        <a:xfrm>
+          <a:off x="0" y="0"/>
+          <a:ext cx="0" cy="0"/>
+          <a:chOff x="0" y="0"/>
+          <a:chExt cx="0" cy="0"/>
+        </a:xfrm>
+      </p:grpSpPr>
+      <p:pic>
+        <p:nvPicPr>
+          <p:cNvPr id="11" name="Espaço Reservado para Conteúdo 10" descr="Tabela&#10;&#10;Descrição gerada automaticamente">
+            <a:extLst>
+              <a:ext uri="{FF2B5EF4-FFF2-40B4-BE49-F238E27FC236}">
+                <a16:creationId xmlns:a16="http://schemas.microsoft.com/office/drawing/2014/main" id="{7A5B515F-F4F2-92EF-51D3-4656ACD27521}"/>
+              </a:ext>
+            </a:extLst>
+          </p:cNvPr>
+          <p:cNvPicPr>
+            <a:picLocks noGrp="1" noChangeAspect="1"/>
+          </p:cNvPicPr>
+          <p:nvPr>
+            <p:ph idx="1"/>
+          </p:nvPr>
+        </p:nvPicPr>
+        <p:blipFill>
+          <a:blip r:embed="rId2">
+            <a:extLst>
+              <a:ext uri="{28A0092B-C50C-407E-A947-70E740481C1C}">
+                <a14:useLocalDpi xmlns:a14="http://schemas.microsoft.com/office/drawing/2010/main" val="0"/>
+              </a:ext>
+            </a:extLst>
+          </a:blip>
+          <a:stretch>
+            <a:fillRect/>
+          </a:stretch>
+        </p:blipFill>
+        <p:spPr>
+          <a:xfrm>
+            <a:off x="2586182" y="1430386"/>
+            <a:ext cx="6589238" cy="4440574"/>
+          </a:xfrm>
+        </p:spPr>
+      </p:pic>
+    </p:spTree>
+    <p:extLst>
+      <p:ext uri="{BB962C8B-B14F-4D97-AF65-F5344CB8AC3E}">
+        <p14:creationId xmlns:p14="http://schemas.microsoft.com/office/powerpoint/2010/main" val="1444583672"/>
       </p:ext>
     </p:extLst>
   </p:cSld>
